--- a/Presentazione progetto.pptx
+++ b/Presentazione progetto.pptx
@@ -136,6 +136,9 @@
         </p14:section>
       </p14:sectionLst>
     </p:ext>
+    <p:ext uri="{EFAFB233-063F-42B5-8137-9DF3F51BA10A}">
+      <p15:sldGuideLst xmlns:p15="http://schemas.microsoft.com/office/powerpoint/2012/main"/>
+    </p:ext>
   </p:extLst>
 </p:presentation>
 </file>
@@ -234,7 +237,7 @@
           <a:p>
             <a:fld id="{60586234-2229-4118-A8DF-67060F217143}" type="datetimeFigureOut">
               <a:rPr lang="it-IT" smtClean="0"/>
-              <a:t>10/10/2023</a:t>
+              <a:t>18/10/2023</a:t>
             </a:fld>
             <a:endParaRPr lang="it-IT"/>
           </a:p>
@@ -412,7 +415,7 @@
           <a:p>
             <a:fld id="{167F814D-0BB3-4233-801A-0C5708473B14}" type="datetimeFigureOut">
               <a:rPr lang="it-IT" smtClean="0"/>
-              <a:t>10/10/2023</a:t>
+              <a:t>18/10/2023</a:t>
             </a:fld>
             <a:endParaRPr lang="it-IT"/>
           </a:p>
@@ -827,7 +830,7 @@
           <a:p>
             <a:fld id="{1BE3CAA6-8583-46C3-9482-7163E0EBC265}" type="datetime1">
               <a:rPr lang="it-IT" smtClean="0"/>
-              <a:t>10/10/2023</a:t>
+              <a:t>18/10/2023</a:t>
             </a:fld>
             <a:endParaRPr lang="it-IT"/>
           </a:p>
@@ -1028,7 +1031,7 @@
           <a:p>
             <a:fld id="{A872CB48-34BD-4122-A5AB-D29D2AD57276}" type="datetime1">
               <a:rPr lang="it-IT" smtClean="0"/>
-              <a:t>10/10/2023</a:t>
+              <a:t>18/10/2023</a:t>
             </a:fld>
             <a:endParaRPr lang="it-IT"/>
           </a:p>
@@ -1239,7 +1242,7 @@
           <a:p>
             <a:fld id="{F73B7BD4-4E39-4EC0-8B5A-0CF0121E99E1}" type="datetime1">
               <a:rPr lang="it-IT" smtClean="0"/>
-              <a:t>10/10/2023</a:t>
+              <a:t>18/10/2023</a:t>
             </a:fld>
             <a:endParaRPr lang="it-IT"/>
           </a:p>
@@ -1440,7 +1443,7 @@
           <a:p>
             <a:fld id="{D21B15F3-D610-4890-BA19-F91BA0A7343A}" type="datetime1">
               <a:rPr lang="it-IT" smtClean="0"/>
-              <a:t>10/10/2023</a:t>
+              <a:t>18/10/2023</a:t>
             </a:fld>
             <a:endParaRPr lang="it-IT"/>
           </a:p>
@@ -1718,7 +1721,7 @@
           <a:p>
             <a:fld id="{BC88D7C5-EDD0-47CF-B4D5-E493EA3721AA}" type="datetime1">
               <a:rPr lang="it-IT" smtClean="0"/>
-              <a:t>10/10/2023</a:t>
+              <a:t>18/10/2023</a:t>
             </a:fld>
             <a:endParaRPr lang="it-IT"/>
           </a:p>
@@ -1986,7 +1989,7 @@
           <a:p>
             <a:fld id="{2E1C5A54-C924-4448-83B0-A427857AB5EA}" type="datetime1">
               <a:rPr lang="it-IT" smtClean="0"/>
-              <a:t>10/10/2023</a:t>
+              <a:t>18/10/2023</a:t>
             </a:fld>
             <a:endParaRPr lang="it-IT"/>
           </a:p>
@@ -2401,7 +2404,7 @@
           <a:p>
             <a:fld id="{8CD662CD-DC79-4EC8-9032-0ECFFFF0A2D2}" type="datetime1">
               <a:rPr lang="it-IT" smtClean="0"/>
-              <a:t>10/10/2023</a:t>
+              <a:t>18/10/2023</a:t>
             </a:fld>
             <a:endParaRPr lang="it-IT"/>
           </a:p>
@@ -2545,7 +2548,7 @@
           <a:p>
             <a:fld id="{C5E3B2EF-4A03-49D6-A03B-2FE2B6E792C5}" type="datetime1">
               <a:rPr lang="it-IT" smtClean="0"/>
-              <a:t>10/10/2023</a:t>
+              <a:t>18/10/2023</a:t>
             </a:fld>
             <a:endParaRPr lang="it-IT"/>
           </a:p>
@@ -2661,7 +2664,7 @@
           <a:p>
             <a:fld id="{141B1804-09AC-4AA2-B880-491DFD87AB06}" type="datetime1">
               <a:rPr lang="it-IT" smtClean="0"/>
-              <a:t>10/10/2023</a:t>
+              <a:t>18/10/2023</a:t>
             </a:fld>
             <a:endParaRPr lang="it-IT"/>
           </a:p>
@@ -2975,7 +2978,7 @@
           <a:p>
             <a:fld id="{79C4312F-7CDE-49EF-A198-462160ACA2FC}" type="datetime1">
               <a:rPr lang="it-IT" smtClean="0"/>
-              <a:t>10/10/2023</a:t>
+              <a:t>18/10/2023</a:t>
             </a:fld>
             <a:endParaRPr lang="it-IT"/>
           </a:p>
@@ -3266,7 +3269,7 @@
           <a:p>
             <a:fld id="{EE3240D9-C312-4F48-B5F2-45F66E2E656F}" type="datetime1">
               <a:rPr lang="it-IT" smtClean="0"/>
-              <a:t>10/10/2023</a:t>
+              <a:t>18/10/2023</a:t>
             </a:fld>
             <a:endParaRPr lang="it-IT"/>
           </a:p>
@@ -3510,7 +3513,7 @@
           <a:p>
             <a:fld id="{4291C85B-0D87-40AE-ADDD-C3607BF611B9}" type="datetime1">
               <a:rPr lang="it-IT" smtClean="0"/>
-              <a:t>10/10/2023</a:t>
+              <a:t>18/10/2023</a:t>
             </a:fld>
             <a:endParaRPr lang="it-IT"/>
           </a:p>
@@ -4323,7 +4326,7 @@
             </a:r>
             <a:r>
               <a:rPr lang="it-IT" sz="2400" dirty="0"/>
-              <a:t>[writing] -&gt; nodo in cima alla coda, eliminandolo dalla coda</a:t>
+              <a:t>[writing] -&gt; nodo in fondo alla coda, eliminandolo dalla stessa</a:t>
             </a:r>
           </a:p>
           <a:p>

--- a/Presentazione progetto.pptx
+++ b/Presentazione progetto.pptx
@@ -4265,7 +4265,7 @@
             </a:pPr>
             <a:r>
               <a:rPr lang="it-IT" sz="2400" dirty="0"/>
-              <a:t>Questi nodi vengono gestiti all’interno dell’oggetto </a:t>
+              <a:t>Questi nodi vengono gestiti all’interno della classe </a:t>
             </a:r>
             <a:r>
               <a:rPr lang="it-IT" sz="2400" dirty="0" err="1"/>
@@ -4273,7 +4273,7 @@
             </a:r>
             <a:r>
               <a:rPr lang="it-IT" sz="2400" dirty="0"/>
-              <a:t> che esegue diverse funzioni sui nodi (in maniera non </a:t>
+              <a:t> che esegue diverse funzioni sui nodi (in modo non </a:t>
             </a:r>
             <a:r>
               <a:rPr lang="it-IT" sz="2400" dirty="0" err="1"/>
@@ -4368,7 +4368,7 @@
             </a:r>
             <a:r>
               <a:rPr lang="it-IT" sz="2400" dirty="0"/>
-              <a:t>[reading] -&gt; nodo in cima alla coda, senza eliminarlo</a:t>
+              <a:t>[reading] -&gt; primo nodo della coda (come pop), ma senza eliminarlo</a:t>
             </a:r>
           </a:p>
         </p:txBody>
@@ -4751,13 +4751,13 @@
         </p:nvSpPr>
         <p:spPr>
           <a:xfrm>
-            <a:off x="0" y="1903228"/>
-            <a:ext cx="12192000" cy="3019646"/>
+            <a:off x="0" y="1352020"/>
+            <a:ext cx="12192000" cy="4153959"/>
           </a:xfrm>
         </p:spPr>
         <p:txBody>
           <a:bodyPr>
-            <a:normAutofit lnSpcReduction="10000"/>
+            <a:noAutofit/>
           </a:bodyPr>
           <a:lstStyle/>
           <a:p>
@@ -4766,7 +4766,7 @@
             </a:pPr>
             <a:r>
               <a:rPr lang="it-IT" dirty="0"/>
-              <a:t>L’oggetto Policy generalizza una politica di scheduling rendendo i metodi della coda </a:t>
+              <a:t>La classe Policy generalizza una politica di scheduling rendendo i metodi della coda </a:t>
             </a:r>
             <a:r>
               <a:rPr lang="it-IT" dirty="0" err="1"/>
@@ -4782,7 +4782,7 @@
             </a:r>
             <a:r>
               <a:rPr lang="it-IT" dirty="0"/>
-              <a:t> (importati dalla libreria threading).</a:t>
+              <a:t> (importati dalla libreria threading). Con i vari oggetti figli di Policy è poi possibile invocare i metodi visti in precedenza per interagire con la coda.</a:t>
             </a:r>
           </a:p>
           <a:p>
@@ -4833,7 +4833,7 @@
             </a:r>
             <a:r>
               <a:rPr lang="it-IT" dirty="0"/>
-              <a:t> in base alla politica adottata.</a:t>
+              <a:t> in base alla politica adottata. Tali Funzioni sono state implementate negli oggetti Sem delle varie politiche.</a:t>
             </a:r>
           </a:p>
         </p:txBody>
@@ -5460,7 +5460,7 @@
                 <a:ea typeface="+mn-ea"/>
                 <a:cs typeface="+mn-cs"/>
               </a:rPr>
-              <a:t>Implementazione Policy</a:t>
+              <a:t>Tipi di Policy</a:t>
             </a:r>
           </a:p>
         </p:txBody>
@@ -5888,7 +5888,7 @@
         </p:nvSpPr>
         <p:spPr>
           <a:xfrm>
-            <a:off x="0" y="254314"/>
+            <a:off x="0" y="211784"/>
             <a:ext cx="12192000" cy="584775"/>
           </a:xfrm>
           <a:prstGeom prst="rect">
@@ -5951,7 +5951,7 @@
                 <a:ea typeface="+mn-ea"/>
                 <a:cs typeface="+mn-cs"/>
               </a:rPr>
-              <a:t>Implementazione Policy</a:t>
+              <a:t>Tipi di Policy</a:t>
             </a:r>
           </a:p>
         </p:txBody>
@@ -6433,7 +6433,7 @@
         </p:nvSpPr>
         <p:spPr>
           <a:xfrm>
-            <a:off x="0" y="254314"/>
+            <a:off x="0" y="199444"/>
             <a:ext cx="12192000" cy="584775"/>
           </a:xfrm>
           <a:prstGeom prst="rect">
@@ -6496,7 +6496,7 @@
                 <a:ea typeface="+mn-ea"/>
                 <a:cs typeface="+mn-cs"/>
               </a:rPr>
-              <a:t>Implementazione Policy</a:t>
+              <a:t>Tipi di Policy</a:t>
             </a:r>
           </a:p>
         </p:txBody>

--- a/Presentazione progetto.pptx
+++ b/Presentazione progetto.pptx
@@ -237,7 +237,7 @@
           <a:p>
             <a:fld id="{60586234-2229-4118-A8DF-67060F217143}" type="datetimeFigureOut">
               <a:rPr lang="it-IT" smtClean="0"/>
-              <a:t>18/10/2023</a:t>
+              <a:t>19/10/2023</a:t>
             </a:fld>
             <a:endParaRPr lang="it-IT"/>
           </a:p>
@@ -415,7 +415,7 @@
           <a:p>
             <a:fld id="{167F814D-0BB3-4233-801A-0C5708473B14}" type="datetimeFigureOut">
               <a:rPr lang="it-IT" smtClean="0"/>
-              <a:t>18/10/2023</a:t>
+              <a:t>19/10/2023</a:t>
             </a:fld>
             <a:endParaRPr lang="it-IT"/>
           </a:p>
@@ -830,7 +830,7 @@
           <a:p>
             <a:fld id="{1BE3CAA6-8583-46C3-9482-7163E0EBC265}" type="datetime1">
               <a:rPr lang="it-IT" smtClean="0"/>
-              <a:t>18/10/2023</a:t>
+              <a:t>19/10/2023</a:t>
             </a:fld>
             <a:endParaRPr lang="it-IT"/>
           </a:p>
@@ -1031,7 +1031,7 @@
           <a:p>
             <a:fld id="{A872CB48-34BD-4122-A5AB-D29D2AD57276}" type="datetime1">
               <a:rPr lang="it-IT" smtClean="0"/>
-              <a:t>18/10/2023</a:t>
+              <a:t>19/10/2023</a:t>
             </a:fld>
             <a:endParaRPr lang="it-IT"/>
           </a:p>
@@ -1242,7 +1242,7 @@
           <a:p>
             <a:fld id="{F73B7BD4-4E39-4EC0-8B5A-0CF0121E99E1}" type="datetime1">
               <a:rPr lang="it-IT" smtClean="0"/>
-              <a:t>18/10/2023</a:t>
+              <a:t>19/10/2023</a:t>
             </a:fld>
             <a:endParaRPr lang="it-IT"/>
           </a:p>
@@ -1443,7 +1443,7 @@
           <a:p>
             <a:fld id="{D21B15F3-D610-4890-BA19-F91BA0A7343A}" type="datetime1">
               <a:rPr lang="it-IT" smtClean="0"/>
-              <a:t>18/10/2023</a:t>
+              <a:t>19/10/2023</a:t>
             </a:fld>
             <a:endParaRPr lang="it-IT"/>
           </a:p>
@@ -1721,7 +1721,7 @@
           <a:p>
             <a:fld id="{BC88D7C5-EDD0-47CF-B4D5-E493EA3721AA}" type="datetime1">
               <a:rPr lang="it-IT" smtClean="0"/>
-              <a:t>18/10/2023</a:t>
+              <a:t>19/10/2023</a:t>
             </a:fld>
             <a:endParaRPr lang="it-IT"/>
           </a:p>
@@ -1989,7 +1989,7 @@
           <a:p>
             <a:fld id="{2E1C5A54-C924-4448-83B0-A427857AB5EA}" type="datetime1">
               <a:rPr lang="it-IT" smtClean="0"/>
-              <a:t>18/10/2023</a:t>
+              <a:t>19/10/2023</a:t>
             </a:fld>
             <a:endParaRPr lang="it-IT"/>
           </a:p>
@@ -2404,7 +2404,7 @@
           <a:p>
             <a:fld id="{8CD662CD-DC79-4EC8-9032-0ECFFFF0A2D2}" type="datetime1">
               <a:rPr lang="it-IT" smtClean="0"/>
-              <a:t>18/10/2023</a:t>
+              <a:t>19/10/2023</a:t>
             </a:fld>
             <a:endParaRPr lang="it-IT"/>
           </a:p>
@@ -2548,7 +2548,7 @@
           <a:p>
             <a:fld id="{C5E3B2EF-4A03-49D6-A03B-2FE2B6E792C5}" type="datetime1">
               <a:rPr lang="it-IT" smtClean="0"/>
-              <a:t>18/10/2023</a:t>
+              <a:t>19/10/2023</a:t>
             </a:fld>
             <a:endParaRPr lang="it-IT"/>
           </a:p>
@@ -2664,7 +2664,7 @@
           <a:p>
             <a:fld id="{141B1804-09AC-4AA2-B880-491DFD87AB06}" type="datetime1">
               <a:rPr lang="it-IT" smtClean="0"/>
-              <a:t>18/10/2023</a:t>
+              <a:t>19/10/2023</a:t>
             </a:fld>
             <a:endParaRPr lang="it-IT"/>
           </a:p>
@@ -2978,7 +2978,7 @@
           <a:p>
             <a:fld id="{79C4312F-7CDE-49EF-A198-462160ACA2FC}" type="datetime1">
               <a:rPr lang="it-IT" smtClean="0"/>
-              <a:t>18/10/2023</a:t>
+              <a:t>19/10/2023</a:t>
             </a:fld>
             <a:endParaRPr lang="it-IT"/>
           </a:p>
@@ -3269,7 +3269,7 @@
           <a:p>
             <a:fld id="{EE3240D9-C312-4F48-B5F2-45F66E2E656F}" type="datetime1">
               <a:rPr lang="it-IT" smtClean="0"/>
-              <a:t>18/10/2023</a:t>
+              <a:t>19/10/2023</a:t>
             </a:fld>
             <a:endParaRPr lang="it-IT"/>
           </a:p>
@@ -3513,7 +3513,7 @@
           <a:p>
             <a:fld id="{4291C85B-0D87-40AE-ADDD-C3607BF611B9}" type="datetime1">
               <a:rPr lang="it-IT" smtClean="0"/>
-              <a:t>18/10/2023</a:t>
+              <a:t>19/10/2023</a:t>
             </a:fld>
             <a:endParaRPr lang="it-IT"/>
           </a:p>
@@ -3970,7 +3970,7 @@
                 <a:effectLst/>
                 <a:latin typeface="Arial" panose="020B0604020202020204" pitchFamily="34" charset="0"/>
               </a:rPr>
-              <a:t>Thread-safe parallel queue library</a:t>
+              <a:t>Thread-safe queue</a:t>
             </a:r>
             <a:endParaRPr lang="it-IT" dirty="0"/>
           </a:p>
@@ -4273,7 +4273,7 @@
             </a:r>
             <a:r>
               <a:rPr lang="it-IT" sz="2400" dirty="0"/>
-              <a:t> che esegue diverse funzioni sui nodi (in modo non </a:t>
+              <a:t> (in modo non </a:t>
             </a:r>
             <a:r>
               <a:rPr lang="it-IT" sz="2400" dirty="0" err="1"/>
